--- a/2022.05.18 Tecoco_Topico_06_Analizador Sintáctico.pptx
+++ b/2022.05.18 Tecoco_Topico_06_Analizador Sintáctico.pptx
@@ -18,10 +18,11 @@
     <p:sldId id="265" r:id="rId12"/>
     <p:sldId id="268" r:id="rId13"/>
     <p:sldId id="269" r:id="rId14"/>
-    <p:sldId id="266" r:id="rId15"/>
-    <p:sldId id="270" r:id="rId16"/>
-    <p:sldId id="271" r:id="rId17"/>
-    <p:sldId id="272" r:id="rId18"/>
+    <p:sldId id="273" r:id="rId15"/>
+    <p:sldId id="266" r:id="rId16"/>
+    <p:sldId id="270" r:id="rId17"/>
+    <p:sldId id="271" r:id="rId18"/>
+    <p:sldId id="272" r:id="rId19"/>
   </p:sldIdLst>
   <p:sldSz cx="12192000" cy="6858000"/>
   <p:notesSz cx="6858000" cy="9144000"/>
@@ -931,7 +932,7 @@
             <a:fld id="{B61BEF0D-F0BB-DE4B-95CE-6DB70DBA9567}" type="datetimeFigureOut">
               <a:rPr lang="en-US" dirty="0"/>
               <a:pPr/>
-              <a:t>9/16/2020</a:t>
+              <a:t>6/7/2022</a:t>
             </a:fld>
             <a:endParaRPr lang="en-US" dirty="0"/>
           </a:p>
@@ -1266,7 +1267,7 @@
             <a:fld id="{B61BEF0D-F0BB-DE4B-95CE-6DB70DBA9567}" type="datetimeFigureOut">
               <a:rPr lang="en-US" dirty="0"/>
               <a:pPr/>
-              <a:t>9/16/2020</a:t>
+              <a:t>6/7/2022</a:t>
             </a:fld>
             <a:endParaRPr lang="en-US" dirty="0"/>
           </a:p>
@@ -1664,7 +1665,7 @@
             <a:fld id="{B61BEF0D-F0BB-DE4B-95CE-6DB70DBA9567}" type="datetimeFigureOut">
               <a:rPr lang="en-US" dirty="0"/>
               <a:pPr/>
-              <a:t>9/16/2020</a:t>
+              <a:t>6/7/2022</a:t>
             </a:fld>
             <a:endParaRPr lang="en-US" dirty="0"/>
           </a:p>
@@ -1997,7 +1998,7 @@
             <a:fld id="{B61BEF0D-F0BB-DE4B-95CE-6DB70DBA9567}" type="datetimeFigureOut">
               <a:rPr lang="en-US" dirty="0"/>
               <a:pPr/>
-              <a:t>9/16/2020</a:t>
+              <a:t>6/7/2022</a:t>
             </a:fld>
             <a:endParaRPr lang="en-US" dirty="0"/>
           </a:p>
@@ -2314,7 +2315,7 @@
             <a:fld id="{B61BEF0D-F0BB-DE4B-95CE-6DB70DBA9567}" type="datetimeFigureOut">
               <a:rPr lang="en-US" dirty="0"/>
               <a:pPr/>
-              <a:t>9/16/2020</a:t>
+              <a:t>6/7/2022</a:t>
             </a:fld>
             <a:endParaRPr lang="en-US" dirty="0"/>
           </a:p>
@@ -2707,7 +2708,7 @@
             <a:fld id="{B61BEF0D-F0BB-DE4B-95CE-6DB70DBA9567}" type="datetimeFigureOut">
               <a:rPr lang="en-US" dirty="0"/>
               <a:pPr/>
-              <a:t>9/16/2020</a:t>
+              <a:t>6/7/2022</a:t>
             </a:fld>
             <a:endParaRPr lang="en-US" dirty="0"/>
           </a:p>
@@ -2961,7 +2962,7 @@
             <a:fld id="{B61BEF0D-F0BB-DE4B-95CE-6DB70DBA9567}" type="datetimeFigureOut">
               <a:rPr lang="en-US" dirty="0"/>
               <a:pPr/>
-              <a:t>9/16/2020</a:t>
+              <a:t>6/7/2022</a:t>
             </a:fld>
             <a:endParaRPr lang="en-US" dirty="0"/>
           </a:p>
@@ -3220,7 +3221,7 @@
             <a:fld id="{B61BEF0D-F0BB-DE4B-95CE-6DB70DBA9567}" type="datetimeFigureOut">
               <a:rPr lang="en-US" dirty="0"/>
               <a:pPr/>
-              <a:t>9/16/2020</a:t>
+              <a:t>6/7/2022</a:t>
             </a:fld>
             <a:endParaRPr lang="en-US" dirty="0"/>
           </a:p>
@@ -3479,7 +3480,7 @@
             <a:fld id="{B61BEF0D-F0BB-DE4B-95CE-6DB70DBA9567}" type="datetimeFigureOut">
               <a:rPr lang="en-US" dirty="0"/>
               <a:pPr/>
-              <a:t>9/16/2020</a:t>
+              <a:t>6/7/2022</a:t>
             </a:fld>
             <a:endParaRPr lang="en-US" dirty="0"/>
           </a:p>
@@ -3805,7 +3806,7 @@
             <a:fld id="{B61BEF0D-F0BB-DE4B-95CE-6DB70DBA9567}" type="datetimeFigureOut">
               <a:rPr lang="en-US" dirty="0"/>
               <a:pPr/>
-              <a:t>9/16/2020</a:t>
+              <a:t>6/7/2022</a:t>
             </a:fld>
             <a:endParaRPr lang="en-US" dirty="0"/>
           </a:p>
@@ -4125,7 +4126,7 @@
             <a:fld id="{B61BEF0D-F0BB-DE4B-95CE-6DB70DBA9567}" type="datetimeFigureOut">
               <a:rPr lang="en-US" dirty="0"/>
               <a:pPr/>
-              <a:t>9/16/2020</a:t>
+              <a:t>6/7/2022</a:t>
             </a:fld>
             <a:endParaRPr lang="en-US" dirty="0"/>
           </a:p>
@@ -4579,7 +4580,7 @@
             <a:fld id="{B61BEF0D-F0BB-DE4B-95CE-6DB70DBA9567}" type="datetimeFigureOut">
               <a:rPr lang="en-US" dirty="0"/>
               <a:pPr/>
-              <a:t>9/16/2020</a:t>
+              <a:t>6/7/2022</a:t>
             </a:fld>
             <a:endParaRPr lang="en-US" dirty="0"/>
           </a:p>
@@ -4781,7 +4782,7 @@
             <a:fld id="{B61BEF0D-F0BB-DE4B-95CE-6DB70DBA9567}" type="datetimeFigureOut">
               <a:rPr lang="en-US" dirty="0"/>
               <a:pPr/>
-              <a:t>9/16/2020</a:t>
+              <a:t>6/7/2022</a:t>
             </a:fld>
             <a:endParaRPr lang="en-US" dirty="0"/>
           </a:p>
@@ -4955,7 +4956,7 @@
             <a:fld id="{B61BEF0D-F0BB-DE4B-95CE-6DB70DBA9567}" type="datetimeFigureOut">
               <a:rPr lang="en-US" dirty="0"/>
               <a:pPr/>
-              <a:t>9/16/2020</a:t>
+              <a:t>6/7/2022</a:t>
             </a:fld>
             <a:endParaRPr lang="en-US" dirty="0"/>
           </a:p>
@@ -5285,7 +5286,7 @@
             <a:fld id="{B61BEF0D-F0BB-DE4B-95CE-6DB70DBA9567}" type="datetimeFigureOut">
               <a:rPr lang="en-US" dirty="0"/>
               <a:pPr/>
-              <a:t>9/16/2020</a:t>
+              <a:t>6/7/2022</a:t>
             </a:fld>
             <a:endParaRPr lang="en-US" dirty="0"/>
           </a:p>
@@ -5627,7 +5628,7 @@
             <a:fld id="{B61BEF0D-F0BB-DE4B-95CE-6DB70DBA9567}" type="datetimeFigureOut">
               <a:rPr lang="en-US" dirty="0"/>
               <a:pPr/>
-              <a:t>9/16/2020</a:t>
+              <a:t>6/7/2022</a:t>
             </a:fld>
             <a:endParaRPr lang="en-US" dirty="0"/>
           </a:p>
@@ -7741,7 +7742,7 @@
             <a:fld id="{B61BEF0D-F0BB-DE4B-95CE-6DB70DBA9567}" type="datetimeFigureOut">
               <a:rPr lang="en-US" dirty="0"/>
               <a:pPr/>
-              <a:t>9/16/2020</a:t>
+              <a:t>6/7/2022</a:t>
             </a:fld>
             <a:endParaRPr lang="en-US" dirty="0"/>
           </a:p>
@@ -9080,6 +9081,99 @@
           <p:cNvPr id="2" name="Título 1">
             <a:extLst>
               <a:ext uri="{FF2B5EF4-FFF2-40B4-BE49-F238E27FC236}">
+                <a16:creationId xmlns:a16="http://schemas.microsoft.com/office/drawing/2014/main" id="{897693F9-C06E-A5F4-510A-5F9674F8176E}"/>
+              </a:ext>
+            </a:extLst>
+          </p:cNvPr>
+          <p:cNvSpPr>
+            <a:spLocks noGrp="1"/>
+          </p:cNvSpPr>
+          <p:nvPr>
+            <p:ph type="title"/>
+          </p:nvPr>
+        </p:nvSpPr>
+        <p:spPr/>
+        <p:txBody>
+          <a:bodyPr/>
+          <a:lstStyle/>
+          <a:p>
+            <a:r>
+              <a:rPr lang="es-MX" dirty="0"/>
+              <a:t>Código de un Analizador Sintáctico</a:t>
+            </a:r>
+            <a:endParaRPr lang="es-CO" dirty="0"/>
+          </a:p>
+        </p:txBody>
+      </p:sp>
+      <p:sp>
+        <p:nvSpPr>
+          <p:cNvPr id="3" name="Marcador de contenido 2">
+            <a:extLst>
+              <a:ext uri="{FF2B5EF4-FFF2-40B4-BE49-F238E27FC236}">
+                <a16:creationId xmlns:a16="http://schemas.microsoft.com/office/drawing/2014/main" id="{CF81FEF0-A7E2-8CE3-BC7F-17AA02272610}"/>
+              </a:ext>
+            </a:extLst>
+          </p:cNvPr>
+          <p:cNvSpPr>
+            <a:spLocks noGrp="1"/>
+          </p:cNvSpPr>
+          <p:nvPr>
+            <p:ph idx="1"/>
+          </p:nvPr>
+        </p:nvSpPr>
+        <p:spPr/>
+        <p:txBody>
+          <a:bodyPr/>
+          <a:lstStyle/>
+          <a:p>
+            <a:r>
+              <a:rPr lang="es-CO" dirty="0">
+                <a:hlinkClick r:id="rId2"/>
+              </a:rPr>
+              <a:t>https://colab.research.google.com/drive/1AI8ExurFDb6EeAZWkA_aIVwjo5Jld8XJ?usp=sharing</a:t>
+            </a:r>
+            <a:r>
+              <a:rPr lang="es-CO" dirty="0"/>
+              <a:t> </a:t>
+            </a:r>
+          </a:p>
+        </p:txBody>
+      </p:sp>
+    </p:spTree>
+    <p:extLst>
+      <p:ext uri="{BB962C8B-B14F-4D97-AF65-F5344CB8AC3E}">
+        <p14:creationId xmlns:p14="http://schemas.microsoft.com/office/powerpoint/2010/main" val="535473183"/>
+      </p:ext>
+    </p:extLst>
+  </p:cSld>
+  <p:clrMapOvr>
+    <a:masterClrMapping/>
+  </p:clrMapOvr>
+</p:sld>
+</file>
+
+<file path=ppt/slides/slide15.xml><?xml version="1.0" encoding="utf-8"?>
+<p:sld xmlns:a="http://schemas.openxmlformats.org/drawingml/2006/main" xmlns:r="http://schemas.openxmlformats.org/officeDocument/2006/relationships" xmlns:p="http://schemas.openxmlformats.org/presentationml/2006/main">
+  <p:cSld>
+    <p:spTree>
+      <p:nvGrpSpPr>
+        <p:cNvPr id="1" name=""/>
+        <p:cNvGrpSpPr/>
+        <p:nvPr/>
+      </p:nvGrpSpPr>
+      <p:grpSpPr>
+        <a:xfrm>
+          <a:off x="0" y="0"/>
+          <a:ext cx="0" cy="0"/>
+          <a:chOff x="0" y="0"/>
+          <a:chExt cx="0" cy="0"/>
+        </a:xfrm>
+      </p:grpSpPr>
+      <p:sp>
+        <p:nvSpPr>
+          <p:cNvPr id="2" name="Título 1">
+            <a:extLst>
+              <a:ext uri="{FF2B5EF4-FFF2-40B4-BE49-F238E27FC236}">
                 <a16:creationId xmlns:a16="http://schemas.microsoft.com/office/drawing/2014/main" id="{30F75456-7938-46F9-A765-C76F68D129D5}"/>
               </a:ext>
             </a:extLst>
@@ -9190,7 +9284,7 @@
 </p:sld>
 </file>
 
-<file path=ppt/slides/slide15.xml><?xml version="1.0" encoding="utf-8"?>
+<file path=ppt/slides/slide16.xml><?xml version="1.0" encoding="utf-8"?>
 <p:sld xmlns:a="http://schemas.openxmlformats.org/drawingml/2006/main" xmlns:r="http://schemas.openxmlformats.org/officeDocument/2006/relationships" xmlns:p="http://schemas.openxmlformats.org/presentationml/2006/main">
   <p:cSld>
     <p:spTree>
@@ -9368,7 +9462,7 @@
 </p:sld>
 </file>
 
-<file path=ppt/slides/slide16.xml><?xml version="1.0" encoding="utf-8"?>
+<file path=ppt/slides/slide17.xml><?xml version="1.0" encoding="utf-8"?>
 <p:sld xmlns:a="http://schemas.openxmlformats.org/drawingml/2006/main" xmlns:r="http://schemas.openxmlformats.org/officeDocument/2006/relationships" xmlns:p="http://schemas.openxmlformats.org/presentationml/2006/main">
   <p:cSld>
     <p:spTree>
@@ -9506,7 +9600,7 @@
 </p:sld>
 </file>
 
-<file path=ppt/slides/slide17.xml><?xml version="1.0" encoding="utf-8"?>
+<file path=ppt/slides/slide18.xml><?xml version="1.0" encoding="utf-8"?>
 <p:sld xmlns:a="http://schemas.openxmlformats.org/drawingml/2006/main" xmlns:r="http://schemas.openxmlformats.org/officeDocument/2006/relationships" xmlns:p="http://schemas.openxmlformats.org/presentationml/2006/main">
   <p:cSld>
     <p:spTree>
@@ -9593,7 +9687,17 @@
           <a:p>
             <a:r>
               <a:rPr lang="es-CO" dirty="0"/>
-              <a:t>Es posible Realizarlo en parejas, cargarlo en el formulario o plataforma definida por el docente. </a:t>
+              <a:t>Es posible Realizarlo en parejas, CADA UNO DEBE cargarlo en el formulario o plataforma definida por el docente. </a:t>
+            </a:r>
+            <a:r>
+              <a:rPr lang="es-CO" dirty="0">
+                <a:hlinkClick r:id="rId2"/>
+              </a:rPr>
+              <a:t>https://forms.gle/VWi17qGcDLt8UBLYA</a:t>
+            </a:r>
+            <a:r>
+              <a:rPr lang="es-CO" dirty="0"/>
+              <a:t> </a:t>
             </a:r>
             <a:br>
               <a:rPr lang="es-CO" dirty="0"/>
@@ -9673,7 +9777,7 @@
           <p:nvPr/>
         </p:nvPicPr>
         <p:blipFill>
-          <a:blip r:embed="rId2"/>
+          <a:blip r:embed="rId3"/>
           <a:stretch>
             <a:fillRect/>
           </a:stretch>
